--- a/Presentation.pptx
+++ b/Presentation.pptx
@@ -5,10 +5,10 @@
     <p:sldMasterId id="2147483648" r:id="rId4"/>
   </p:sldMasterIdLst>
   <p:notesMasterIdLst>
-    <p:notesMasterId r:id="rId17"/>
+    <p:notesMasterId r:id="rId18"/>
   </p:notesMasterIdLst>
   <p:handoutMasterIdLst>
-    <p:handoutMasterId r:id="rId18"/>
+    <p:handoutMasterId r:id="rId19"/>
   </p:handoutMasterIdLst>
   <p:sldIdLst>
     <p:sldId id="256" r:id="rId5"/>
@@ -16,13 +16,14 @@
     <p:sldId id="258" r:id="rId7"/>
     <p:sldId id="259" r:id="rId8"/>
     <p:sldId id="262" r:id="rId9"/>
-    <p:sldId id="279" r:id="rId10"/>
-    <p:sldId id="261" r:id="rId11"/>
-    <p:sldId id="263" r:id="rId12"/>
-    <p:sldId id="264" r:id="rId13"/>
-    <p:sldId id="272" r:id="rId14"/>
-    <p:sldId id="275" r:id="rId15"/>
-    <p:sldId id="276" r:id="rId16"/>
+    <p:sldId id="280" r:id="rId10"/>
+    <p:sldId id="279" r:id="rId11"/>
+    <p:sldId id="261" r:id="rId12"/>
+    <p:sldId id="263" r:id="rId13"/>
+    <p:sldId id="264" r:id="rId14"/>
+    <p:sldId id="272" r:id="rId15"/>
+    <p:sldId id="275" r:id="rId16"/>
+    <p:sldId id="276" r:id="rId17"/>
   </p:sldIdLst>
   <p:sldSz cx="12192000" cy="6858000"/>
   <p:notesSz cx="6858000" cy="9144000"/>
@@ -241,7 +242,7 @@
           <a:p>
             <a:fld id="{9C79BF0D-A27E-4949-BA05-26DFC7FA342E}" type="datetimeFigureOut">
               <a:rPr lang="en-US" smtClean="0"/>
-              <a:t>6/10/2024</a:t>
+              <a:t>6/11/2024</a:t>
             </a:fld>
             <a:endParaRPr lang="en-US" dirty="0"/>
           </a:p>
@@ -418,7 +419,7 @@
           <a:p>
             <a:fld id="{7DC4AA30-155C-4903-9267-E3BBFB95FF41}" type="datetimeFigureOut">
               <a:rPr lang="en-US" smtClean="0"/>
-              <a:t>6/10/2024</a:t>
+              <a:t>6/11/2024</a:t>
             </a:fld>
             <a:endParaRPr lang="en-US" dirty="0"/>
           </a:p>
@@ -15437,10 +15438,10 @@
       </p:grpSpPr>
       <p:sp>
         <p:nvSpPr>
-          <p:cNvPr id="97" name="Title 96">
-            <a:extLst>
-              <a:ext uri="{FF2B5EF4-FFF2-40B4-BE49-F238E27FC236}">
-                <a16:creationId xmlns:a16="http://schemas.microsoft.com/office/drawing/2014/main" id="{65DB651D-EA46-4121-BBE6-8CF22F955E4B}"/>
+          <p:cNvPr id="45" name="Title 44">
+            <a:extLst>
+              <a:ext uri="{FF2B5EF4-FFF2-40B4-BE49-F238E27FC236}">
+                <a16:creationId xmlns:a16="http://schemas.microsoft.com/office/drawing/2014/main" id="{C1422C90-427C-4AD4-97AD-6B9853B23F76}"/>
               </a:ext>
             </a:extLst>
           </p:cNvPr>
@@ -15457,18 +15458,22 @@
           <a:lstStyle/>
           <a:p>
             <a:r>
-              <a:rPr lang="en-US" dirty="0"/>
-              <a:t>Meet the team</a:t>
-            </a:r>
+              <a:rPr lang="en-US" dirty="0">
+                <a:ea typeface="+mj-lt"/>
+                <a:cs typeface="+mj-lt"/>
+              </a:rPr>
+              <a:t>Benefits</a:t>
+            </a:r>
+            <a:endParaRPr lang="es-ES" dirty="0"/>
           </a:p>
         </p:txBody>
       </p:sp>
       <p:pic>
         <p:nvPicPr>
-          <p:cNvPr id="41" name="Picture Placeholder 40" descr="Un hombre con una camisa azul&#10;&#10;Descripción generada automáticamente">
-            <a:extLst>
-              <a:ext uri="{FF2B5EF4-FFF2-40B4-BE49-F238E27FC236}">
-                <a16:creationId xmlns:a16="http://schemas.microsoft.com/office/drawing/2014/main" id="{123EEB3A-4BCA-4C14-9996-7ACEFE46C64C}"/>
+          <p:cNvPr id="17" name="Picture Placeholder 16" descr="Big Data World · Free image on Pixabay">
+            <a:extLst>
+              <a:ext uri="{FF2B5EF4-FFF2-40B4-BE49-F238E27FC236}">
+                <a16:creationId xmlns:a16="http://schemas.microsoft.com/office/drawing/2014/main" id="{CB1FCAEC-7B83-4519-9EF3-BA0E904C316C}"/>
               </a:ext>
             </a:extLst>
           </p:cNvPr>
@@ -15476,7 +15481,7 @@
             <a:picLocks noGrp="1" noChangeAspect="1"/>
           </p:cNvPicPr>
           <p:nvPr>
-            <p:ph type="pic" sz="quarter" idx="14"/>
+            <p:ph type="pic" sz="quarter" idx="13"/>
           </p:nvPr>
         </p:nvPicPr>
         <p:blipFill rotWithShape="1">
@@ -15485,41 +15490,44 @@
           <a:stretch/>
         </p:blipFill>
         <p:spPr>
-          <a:xfrm>
-            <a:off x="6189752" y="671944"/>
-            <a:ext cx="1697455" cy="1697455"/>
+          <a:xfrm flipH="1">
+            <a:off x="1271270" y="1106290"/>
+            <a:ext cx="7013748" cy="4918598"/>
           </a:xfrm>
         </p:spPr>
       </p:pic>
       <p:sp>
         <p:nvSpPr>
-          <p:cNvPr id="29" name="Text Placeholder 28">
-            <a:extLst>
-              <a:ext uri="{FF2B5EF4-FFF2-40B4-BE49-F238E27FC236}">
-                <a16:creationId xmlns:a16="http://schemas.microsoft.com/office/drawing/2014/main" id="{6B7199E4-BA6F-4E67-BC55-8BDB0ADBFB31}"/>
-              </a:ext>
-            </a:extLst>
-          </p:cNvPr>
-          <p:cNvSpPr>
-            <a:spLocks noGrp="1"/>
-          </p:cNvSpPr>
-          <p:nvPr>
-            <p:ph type="body" sz="quarter" idx="18"/>
-          </p:nvPr>
-        </p:nvSpPr>
-        <p:spPr>
-          <a:xfrm>
-            <a:off x="5794627" y="2426760"/>
-            <a:ext cx="2487705" cy="411277"/>
-          </a:xfrm>
-        </p:spPr>
-        <p:txBody>
-          <a:bodyPr/>
+          <p:cNvPr id="24" name="Text Placeholder 23">
+            <a:extLst>
+              <a:ext uri="{FF2B5EF4-FFF2-40B4-BE49-F238E27FC236}">
+                <a16:creationId xmlns:a16="http://schemas.microsoft.com/office/drawing/2014/main" id="{7B521B55-CA93-422E-A413-4F38F20BA182}"/>
+              </a:ext>
+            </a:extLst>
+          </p:cNvPr>
+          <p:cNvSpPr>
+            <a:spLocks noGrp="1"/>
+          </p:cNvSpPr>
+          <p:nvPr>
+            <p:ph type="body" sz="quarter" idx="17"/>
+          </p:nvPr>
+        </p:nvSpPr>
+        <p:spPr>
+          <a:xfrm>
+            <a:off x="8691419" y="573409"/>
+            <a:ext cx="2937452" cy="426393"/>
+          </a:xfrm>
+        </p:spPr>
+        <p:txBody>
+          <a:bodyPr anchor="t"/>
           <a:lstStyle/>
           <a:p>
             <a:r>
-              <a:rPr lang="en-US" dirty="0"/>
-              <a:t>Carlos Nieto</a:t>
+              <a:rPr lang="en-US" dirty="0">
+                <a:ea typeface="+mj-lt"/>
+                <a:cs typeface="+mj-lt"/>
+              </a:rPr>
+              <a:t>Interinstitutional Collaboration</a:t>
             </a:r>
             <a:endParaRPr lang="es-ES" dirty="0"/>
           </a:p>
@@ -15527,96 +15535,24 @@
       </p:sp>
       <p:sp>
         <p:nvSpPr>
-          <p:cNvPr id="30" name="Text Placeholder 29">
-            <a:extLst>
-              <a:ext uri="{FF2B5EF4-FFF2-40B4-BE49-F238E27FC236}">
-                <a16:creationId xmlns:a16="http://schemas.microsoft.com/office/drawing/2014/main" id="{A2F36942-A720-4C06-A21B-D46044F0799C}"/>
-              </a:ext>
-            </a:extLst>
-          </p:cNvPr>
-          <p:cNvSpPr>
-            <a:spLocks noGrp="1"/>
-          </p:cNvSpPr>
-          <p:nvPr>
-            <p:ph type="body" sz="quarter" idx="19"/>
-          </p:nvPr>
-        </p:nvSpPr>
-        <p:spPr>
-          <a:xfrm>
-            <a:off x="5794627" y="2801755"/>
-            <a:ext cx="2487705" cy="435631"/>
-          </a:xfrm>
-        </p:spPr>
-        <p:txBody>
-          <a:bodyPr/>
-          <a:lstStyle/>
-          <a:p>
-            <a:r>
-              <a:rPr lang="en-US" dirty="0"/>
-              <a:t>BI </a:t>
-            </a:r>
-            <a:r>
-              <a:rPr lang="en-US" dirty="0" err="1"/>
-              <a:t>Analist</a:t>
-            </a:r>
-            <a:endParaRPr lang="es-ES" dirty="0" err="1"/>
-          </a:p>
-        </p:txBody>
-      </p:sp>
-      <p:pic>
-        <p:nvPicPr>
-          <p:cNvPr id="47" name="Picture Placeholder 46" descr="A headshot of a team member">
-            <a:extLst>
-              <a:ext uri="{FF2B5EF4-FFF2-40B4-BE49-F238E27FC236}">
-                <a16:creationId xmlns:a16="http://schemas.microsoft.com/office/drawing/2014/main" id="{FAF3DC94-1ECD-473B-85EA-8792EFB137A1}"/>
-              </a:ext>
-            </a:extLst>
-          </p:cNvPr>
-          <p:cNvPicPr>
-            <a:picLocks noGrp="1" noChangeAspect="1"/>
-          </p:cNvPicPr>
-          <p:nvPr>
-            <p:ph type="pic" sz="quarter" idx="34"/>
-          </p:nvPr>
-        </p:nvPicPr>
-        <p:blipFill rotWithShape="1">
-          <a:blip r:embed="rId3">
-            <a:extLst>
-              <a:ext uri="{28A0092B-C50C-407E-A947-70E740481C1C}">
-                <a14:useLocalDpi xmlns:a14="http://schemas.microsoft.com/office/drawing/2010/main" val="0"/>
-              </a:ext>
-            </a:extLst>
-          </a:blip>
-          <a:srcRect/>
-          <a:stretch/>
-        </p:blipFill>
-        <p:spPr>
-          <a:xfrm>
-            <a:off x="9038065" y="3494316"/>
-            <a:ext cx="2013133" cy="1697455"/>
-          </a:xfrm>
-        </p:spPr>
-      </p:pic>
-      <p:sp>
-        <p:nvSpPr>
-          <p:cNvPr id="38" name="Text Placeholder 37">
-            <a:extLst>
-              <a:ext uri="{FF2B5EF4-FFF2-40B4-BE49-F238E27FC236}">
-                <a16:creationId xmlns:a16="http://schemas.microsoft.com/office/drawing/2014/main" id="{73602E49-BDA6-4D83-ACA1-219CB1BD569A}"/>
-              </a:ext>
-            </a:extLst>
-          </p:cNvPr>
-          <p:cNvSpPr>
-            <a:spLocks noGrp="1"/>
-          </p:cNvSpPr>
-          <p:nvPr>
-            <p:ph type="body" sz="quarter" idx="35"/>
-          </p:nvPr>
-        </p:nvSpPr>
-        <p:spPr>
-          <a:xfrm>
-            <a:off x="8800779" y="5248569"/>
-            <a:ext cx="2487705" cy="411277"/>
+          <p:cNvPr id="23" name="Text Placeholder 22">
+            <a:extLst>
+              <a:ext uri="{FF2B5EF4-FFF2-40B4-BE49-F238E27FC236}">
+                <a16:creationId xmlns:a16="http://schemas.microsoft.com/office/drawing/2014/main" id="{98221D68-CEED-411C-AC3A-7A72C4371319}"/>
+              </a:ext>
+            </a:extLst>
+          </p:cNvPr>
+          <p:cNvSpPr>
+            <a:spLocks noGrp="1"/>
+          </p:cNvSpPr>
+          <p:nvPr>
+            <p:ph type="body" sz="quarter" idx="16"/>
+          </p:nvPr>
+        </p:nvSpPr>
+        <p:spPr>
+          <a:xfrm>
+            <a:off x="8691419" y="1125633"/>
+            <a:ext cx="2937452" cy="1192694"/>
           </a:xfrm>
         </p:spPr>
         <p:txBody>
@@ -15626,37 +15562,73 @@
           <a:lstStyle/>
           <a:p>
             <a:r>
-              <a:rPr lang="en-US" dirty="0"/>
-              <a:t>Franklin </a:t>
-            </a:r>
-            <a:r>
-              <a:rPr lang="en-US" dirty="0" err="1"/>
-              <a:t>canduri</a:t>
-            </a:r>
-            <a:endParaRPr lang="es-ES" dirty="0" err="1"/>
-          </a:p>
-        </p:txBody>
-      </p:sp>
-      <p:sp>
-        <p:nvSpPr>
-          <p:cNvPr id="39" name="Text Placeholder 38">
-            <a:extLst>
-              <a:ext uri="{FF2B5EF4-FFF2-40B4-BE49-F238E27FC236}">
-                <a16:creationId xmlns:a16="http://schemas.microsoft.com/office/drawing/2014/main" id="{66865032-D666-40B2-8E54-86DCBA66FAED}"/>
-              </a:ext>
-            </a:extLst>
-          </p:cNvPr>
-          <p:cNvSpPr>
-            <a:spLocks noGrp="1"/>
-          </p:cNvSpPr>
-          <p:nvPr>
-            <p:ph type="body" sz="quarter" idx="36"/>
-          </p:nvPr>
-        </p:nvSpPr>
-        <p:spPr>
-          <a:xfrm>
-            <a:off x="8800779" y="5623564"/>
-            <a:ext cx="2487705" cy="435631"/>
+              <a:rPr lang="en-US" dirty="0">
+                <a:ea typeface="+mn-lt"/>
+                <a:cs typeface="+mn-lt"/>
+              </a:rPr>
+              <a:t>Facilitation of joint work between different groups.</a:t>
+            </a:r>
+            <a:endParaRPr lang="es-ES" dirty="0"/>
+          </a:p>
+        </p:txBody>
+      </p:sp>
+      <p:sp>
+        <p:nvSpPr>
+          <p:cNvPr id="28" name="Text Placeholder 27">
+            <a:extLst>
+              <a:ext uri="{FF2B5EF4-FFF2-40B4-BE49-F238E27FC236}">
+                <a16:creationId xmlns:a16="http://schemas.microsoft.com/office/drawing/2014/main" id="{721A5EF9-E3DB-4CA4-93F3-39B1B8D5E28A}"/>
+              </a:ext>
+            </a:extLst>
+          </p:cNvPr>
+          <p:cNvSpPr>
+            <a:spLocks noGrp="1"/>
+          </p:cNvSpPr>
+          <p:nvPr>
+            <p:ph type="body" sz="quarter" idx="21"/>
+          </p:nvPr>
+        </p:nvSpPr>
+        <p:spPr>
+          <a:xfrm>
+            <a:off x="8691419" y="2412029"/>
+            <a:ext cx="2937452" cy="426393"/>
+          </a:xfrm>
+        </p:spPr>
+        <p:txBody>
+          <a:bodyPr anchor="t"/>
+          <a:lstStyle/>
+          <a:p>
+            <a:r>
+              <a:rPr lang="en-US" dirty="0">
+                <a:ea typeface="+mj-lt"/>
+                <a:cs typeface="+mj-lt"/>
+              </a:rPr>
+              <a:t>Data-Based Decisions</a:t>
+            </a:r>
+            <a:endParaRPr lang="es-ES" dirty="0"/>
+          </a:p>
+        </p:txBody>
+      </p:sp>
+      <p:sp>
+        <p:nvSpPr>
+          <p:cNvPr id="27" name="Text Placeholder 26">
+            <a:extLst>
+              <a:ext uri="{FF2B5EF4-FFF2-40B4-BE49-F238E27FC236}">
+                <a16:creationId xmlns:a16="http://schemas.microsoft.com/office/drawing/2014/main" id="{C076F9C5-3B11-41F8-AE36-0DAED2322784}"/>
+              </a:ext>
+            </a:extLst>
+          </p:cNvPr>
+          <p:cNvSpPr>
+            <a:spLocks noGrp="1"/>
+          </p:cNvSpPr>
+          <p:nvPr>
+            <p:ph type="body" sz="quarter" idx="20"/>
+          </p:nvPr>
+        </p:nvSpPr>
+        <p:spPr>
+          <a:xfrm>
+            <a:off x="8691419" y="2964253"/>
+            <a:ext cx="2937452" cy="1106662"/>
           </a:xfrm>
         </p:spPr>
         <p:txBody>
@@ -15666,8 +15638,11 @@
           <a:lstStyle/>
           <a:p>
             <a:r>
-              <a:rPr lang="en-US" dirty="0"/>
-              <a:t>Developer</a:t>
+              <a:rPr lang="en-US" dirty="0">
+                <a:ea typeface="+mn-lt"/>
+                <a:cs typeface="+mn-lt"/>
+              </a:rPr>
+              <a:t>Making decisions based on data and scientific evidence.</a:t>
             </a:r>
             <a:endParaRPr lang="es-ES" dirty="0"/>
           </a:p>
@@ -15675,10 +15650,86 @@
       </p:sp>
       <p:sp>
         <p:nvSpPr>
+          <p:cNvPr id="26" name="Text Placeholder 25">
+            <a:extLst>
+              <a:ext uri="{FF2B5EF4-FFF2-40B4-BE49-F238E27FC236}">
+                <a16:creationId xmlns:a16="http://schemas.microsoft.com/office/drawing/2014/main" id="{A3F19829-ECF0-478F-BED1-112739B393C7}"/>
+              </a:ext>
+            </a:extLst>
+          </p:cNvPr>
+          <p:cNvSpPr>
+            <a:spLocks noGrp="1"/>
+          </p:cNvSpPr>
+          <p:nvPr>
+            <p:ph type="body" sz="quarter" idx="19"/>
+          </p:nvPr>
+        </p:nvSpPr>
+        <p:spPr>
+          <a:xfrm>
+            <a:off x="8691419" y="4337338"/>
+            <a:ext cx="2937452" cy="426393"/>
+          </a:xfrm>
+        </p:spPr>
+        <p:txBody>
+          <a:bodyPr anchor="t"/>
+          <a:lstStyle/>
+          <a:p>
+            <a:r>
+              <a:rPr lang="en-US" dirty="0">
+                <a:ea typeface="+mj-lt"/>
+                <a:cs typeface="+mj-lt"/>
+              </a:rPr>
+              <a:t>Accessibility</a:t>
+            </a:r>
+            <a:endParaRPr lang="es-ES" dirty="0"/>
+          </a:p>
+        </p:txBody>
+      </p:sp>
+      <p:sp>
+        <p:nvSpPr>
+          <p:cNvPr id="25" name="Text Placeholder 24">
+            <a:extLst>
+              <a:ext uri="{FF2B5EF4-FFF2-40B4-BE49-F238E27FC236}">
+                <a16:creationId xmlns:a16="http://schemas.microsoft.com/office/drawing/2014/main" id="{50EBA51D-BA19-453B-856F-01148078D94F}"/>
+              </a:ext>
+            </a:extLst>
+          </p:cNvPr>
+          <p:cNvSpPr>
+            <a:spLocks noGrp="1"/>
+          </p:cNvSpPr>
+          <p:nvPr>
+            <p:ph type="body" sz="quarter" idx="18"/>
+          </p:nvPr>
+        </p:nvSpPr>
+        <p:spPr>
+          <a:xfrm>
+            <a:off x="8691419" y="4716842"/>
+            <a:ext cx="2937452" cy="1106662"/>
+          </a:xfrm>
+        </p:spPr>
+        <p:txBody>
+          <a:bodyPr>
+            <a:normAutofit/>
+          </a:bodyPr>
+          <a:lstStyle/>
+          <a:p>
+            <a:r>
+              <a:rPr lang="en-ZA" dirty="0">
+                <a:ea typeface="+mn-lt"/>
+                <a:cs typeface="+mn-lt"/>
+              </a:rPr>
+              <a:t>Information that is understandable and accessible to everyone involved.</a:t>
+            </a:r>
+            <a:endParaRPr lang="es-ES" dirty="0"/>
+          </a:p>
+        </p:txBody>
+      </p:sp>
+      <p:sp>
+        <p:nvSpPr>
           <p:cNvPr id="4" name="Slide Number Placeholder 3">
             <a:extLst>
               <a:ext uri="{FF2B5EF4-FFF2-40B4-BE49-F238E27FC236}">
-                <a16:creationId xmlns:a16="http://schemas.microsoft.com/office/drawing/2014/main" id="{50F41187-A117-455B-ACA3-DC0B2F1EABBA}"/>
+                <a16:creationId xmlns:a16="http://schemas.microsoft.com/office/drawing/2014/main" id="{C9FA8E79-2231-42DD-834F-F399CC7D16DE}"/>
               </a:ext>
             </a:extLst>
           </p:cNvPr>
@@ -15711,7 +15762,7 @@
     </p:spTree>
     <p:extLst>
       <p:ext uri="{BB962C8B-B14F-4D97-AF65-F5344CB8AC3E}">
-        <p14:creationId xmlns:p14="http://schemas.microsoft.com/office/powerpoint/2010/main" val="2896358553"/>
+        <p14:creationId xmlns:p14="http://schemas.microsoft.com/office/powerpoint/2010/main" val="2400646804"/>
       </p:ext>
     </p:extLst>
   </p:cSld>
@@ -15738,6 +15789,320 @@
           <a:chExt cx="0" cy="0"/>
         </a:xfrm>
       </p:grpSpPr>
+      <p:sp>
+        <p:nvSpPr>
+          <p:cNvPr id="97" name="Title 96">
+            <a:extLst>
+              <a:ext uri="{FF2B5EF4-FFF2-40B4-BE49-F238E27FC236}">
+                <a16:creationId xmlns:a16="http://schemas.microsoft.com/office/drawing/2014/main" id="{65DB651D-EA46-4121-BBE6-8CF22F955E4B}"/>
+              </a:ext>
+            </a:extLst>
+          </p:cNvPr>
+          <p:cNvSpPr>
+            <a:spLocks noGrp="1"/>
+          </p:cNvSpPr>
+          <p:nvPr>
+            <p:ph type="title"/>
+          </p:nvPr>
+        </p:nvSpPr>
+        <p:spPr/>
+        <p:txBody>
+          <a:bodyPr/>
+          <a:lstStyle/>
+          <a:p>
+            <a:r>
+              <a:rPr lang="en-US" dirty="0"/>
+              <a:t>Meet the team</a:t>
+            </a:r>
+          </a:p>
+        </p:txBody>
+      </p:sp>
+      <p:pic>
+        <p:nvPicPr>
+          <p:cNvPr id="41" name="Picture Placeholder 40" descr="Un hombre con una camisa azul&#10;&#10;Descripción generada automáticamente">
+            <a:extLst>
+              <a:ext uri="{FF2B5EF4-FFF2-40B4-BE49-F238E27FC236}">
+                <a16:creationId xmlns:a16="http://schemas.microsoft.com/office/drawing/2014/main" id="{123EEB3A-4BCA-4C14-9996-7ACEFE46C64C}"/>
+              </a:ext>
+            </a:extLst>
+          </p:cNvPr>
+          <p:cNvPicPr>
+            <a:picLocks noGrp="1" noChangeAspect="1"/>
+          </p:cNvPicPr>
+          <p:nvPr>
+            <p:ph type="pic" sz="quarter" idx="14"/>
+          </p:nvPr>
+        </p:nvPicPr>
+        <p:blipFill rotWithShape="1">
+          <a:blip r:embed="rId2"/>
+          <a:srcRect/>
+          <a:stretch/>
+        </p:blipFill>
+        <p:spPr>
+          <a:xfrm>
+            <a:off x="6189752" y="671944"/>
+            <a:ext cx="1697455" cy="1697455"/>
+          </a:xfrm>
+        </p:spPr>
+      </p:pic>
+      <p:sp>
+        <p:nvSpPr>
+          <p:cNvPr id="29" name="Text Placeholder 28">
+            <a:extLst>
+              <a:ext uri="{FF2B5EF4-FFF2-40B4-BE49-F238E27FC236}">
+                <a16:creationId xmlns:a16="http://schemas.microsoft.com/office/drawing/2014/main" id="{6B7199E4-BA6F-4E67-BC55-8BDB0ADBFB31}"/>
+              </a:ext>
+            </a:extLst>
+          </p:cNvPr>
+          <p:cNvSpPr>
+            <a:spLocks noGrp="1"/>
+          </p:cNvSpPr>
+          <p:nvPr>
+            <p:ph type="body" sz="quarter" idx="18"/>
+          </p:nvPr>
+        </p:nvSpPr>
+        <p:spPr>
+          <a:xfrm>
+            <a:off x="5794627" y="2426760"/>
+            <a:ext cx="2487705" cy="411277"/>
+          </a:xfrm>
+        </p:spPr>
+        <p:txBody>
+          <a:bodyPr/>
+          <a:lstStyle/>
+          <a:p>
+            <a:r>
+              <a:rPr lang="en-US" dirty="0"/>
+              <a:t>Carlos Nieto</a:t>
+            </a:r>
+            <a:endParaRPr lang="es-ES" dirty="0"/>
+          </a:p>
+        </p:txBody>
+      </p:sp>
+      <p:sp>
+        <p:nvSpPr>
+          <p:cNvPr id="30" name="Text Placeholder 29">
+            <a:extLst>
+              <a:ext uri="{FF2B5EF4-FFF2-40B4-BE49-F238E27FC236}">
+                <a16:creationId xmlns:a16="http://schemas.microsoft.com/office/drawing/2014/main" id="{A2F36942-A720-4C06-A21B-D46044F0799C}"/>
+              </a:ext>
+            </a:extLst>
+          </p:cNvPr>
+          <p:cNvSpPr>
+            <a:spLocks noGrp="1"/>
+          </p:cNvSpPr>
+          <p:nvPr>
+            <p:ph type="body" sz="quarter" idx="19"/>
+          </p:nvPr>
+        </p:nvSpPr>
+        <p:spPr>
+          <a:xfrm>
+            <a:off x="5794627" y="2801755"/>
+            <a:ext cx="2487705" cy="435631"/>
+          </a:xfrm>
+        </p:spPr>
+        <p:txBody>
+          <a:bodyPr/>
+          <a:lstStyle/>
+          <a:p>
+            <a:r>
+              <a:rPr lang="en-US" dirty="0"/>
+              <a:t>BI </a:t>
+            </a:r>
+            <a:r>
+              <a:rPr lang="en-US" dirty="0" err="1"/>
+              <a:t>Analist</a:t>
+            </a:r>
+            <a:endParaRPr lang="es-ES" dirty="0" err="1"/>
+          </a:p>
+        </p:txBody>
+      </p:sp>
+      <p:sp>
+        <p:nvSpPr>
+          <p:cNvPr id="38" name="Text Placeholder 37">
+            <a:extLst>
+              <a:ext uri="{FF2B5EF4-FFF2-40B4-BE49-F238E27FC236}">
+                <a16:creationId xmlns:a16="http://schemas.microsoft.com/office/drawing/2014/main" id="{73602E49-BDA6-4D83-ACA1-219CB1BD569A}"/>
+              </a:ext>
+            </a:extLst>
+          </p:cNvPr>
+          <p:cNvSpPr>
+            <a:spLocks noGrp="1"/>
+          </p:cNvSpPr>
+          <p:nvPr>
+            <p:ph type="body" sz="quarter" idx="35"/>
+          </p:nvPr>
+        </p:nvSpPr>
+        <p:spPr>
+          <a:xfrm>
+            <a:off x="8800779" y="5248569"/>
+            <a:ext cx="2487705" cy="411277"/>
+          </a:xfrm>
+        </p:spPr>
+        <p:txBody>
+          <a:bodyPr>
+            <a:normAutofit/>
+          </a:bodyPr>
+          <a:lstStyle/>
+          <a:p>
+            <a:r>
+              <a:rPr lang="en-US" dirty="0"/>
+              <a:t>Franklin </a:t>
+            </a:r>
+            <a:r>
+              <a:rPr lang="en-US" dirty="0" err="1"/>
+              <a:t>canduri</a:t>
+            </a:r>
+            <a:endParaRPr lang="es-ES" dirty="0" err="1"/>
+          </a:p>
+        </p:txBody>
+      </p:sp>
+      <p:sp>
+        <p:nvSpPr>
+          <p:cNvPr id="39" name="Text Placeholder 38">
+            <a:extLst>
+              <a:ext uri="{FF2B5EF4-FFF2-40B4-BE49-F238E27FC236}">
+                <a16:creationId xmlns:a16="http://schemas.microsoft.com/office/drawing/2014/main" id="{66865032-D666-40B2-8E54-86DCBA66FAED}"/>
+              </a:ext>
+            </a:extLst>
+          </p:cNvPr>
+          <p:cNvSpPr>
+            <a:spLocks noGrp="1"/>
+          </p:cNvSpPr>
+          <p:nvPr>
+            <p:ph type="body" sz="quarter" idx="36"/>
+          </p:nvPr>
+        </p:nvSpPr>
+        <p:spPr>
+          <a:xfrm>
+            <a:off x="8800779" y="5623564"/>
+            <a:ext cx="2487705" cy="435631"/>
+          </a:xfrm>
+        </p:spPr>
+        <p:txBody>
+          <a:bodyPr>
+            <a:normAutofit/>
+          </a:bodyPr>
+          <a:lstStyle/>
+          <a:p>
+            <a:r>
+              <a:rPr lang="en-US" dirty="0"/>
+              <a:t>Developer</a:t>
+            </a:r>
+            <a:endParaRPr lang="es-ES" dirty="0"/>
+          </a:p>
+        </p:txBody>
+      </p:sp>
+      <p:sp>
+        <p:nvSpPr>
+          <p:cNvPr id="4" name="Slide Number Placeholder 3">
+            <a:extLst>
+              <a:ext uri="{FF2B5EF4-FFF2-40B4-BE49-F238E27FC236}">
+                <a16:creationId xmlns:a16="http://schemas.microsoft.com/office/drawing/2014/main" id="{50F41187-A117-455B-ACA3-DC0B2F1EABBA}"/>
+              </a:ext>
+            </a:extLst>
+          </p:cNvPr>
+          <p:cNvSpPr>
+            <a:spLocks noGrp="1"/>
+          </p:cNvSpPr>
+          <p:nvPr>
+            <p:ph type="sldNum" sz="quarter" idx="12"/>
+          </p:nvPr>
+        </p:nvSpPr>
+        <p:spPr>
+          <a:xfrm>
+            <a:off x="8610600" y="6515753"/>
+            <a:ext cx="2743200" cy="205722"/>
+          </a:xfrm>
+        </p:spPr>
+        <p:txBody>
+          <a:bodyPr/>
+          <a:lstStyle/>
+          <a:p>
+            <a:fld id="{BF860B6F-2FE3-4DE6-9496-980E987E7466}" type="slidenum">
+              <a:rPr lang="en-US" smtClean="0"/>
+              <a:pPr/>
+              <a:t>11</a:t>
+            </a:fld>
+            <a:endParaRPr lang="en-US" dirty="0"/>
+          </a:p>
+        </p:txBody>
+      </p:sp>
+      <p:pic>
+        <p:nvPicPr>
+          <p:cNvPr id="1026" name="Picture 2">
+            <a:extLst>
+              <a:ext uri="{FF2B5EF4-FFF2-40B4-BE49-F238E27FC236}">
+                <a16:creationId xmlns:a16="http://schemas.microsoft.com/office/drawing/2014/main" id="{C399D722-B376-4DE5-B06C-5227739BA4DD}"/>
+              </a:ext>
+            </a:extLst>
+          </p:cNvPr>
+          <p:cNvPicPr>
+            <a:picLocks noGrp="1" noChangeAspect="1" noChangeArrowheads="1"/>
+          </p:cNvPicPr>
+          <p:nvPr>
+            <p:ph type="pic" sz="quarter" idx="34"/>
+          </p:nvPr>
+        </p:nvPicPr>
+        <p:blipFill>
+          <a:blip r:embed="rId3">
+            <a:extLst>
+              <a:ext uri="{28A0092B-C50C-407E-A947-70E740481C1C}">
+                <a14:useLocalDpi xmlns:a14="http://schemas.microsoft.com/office/drawing/2010/main" val="0"/>
+              </a:ext>
+            </a:extLst>
+          </a:blip>
+          <a:srcRect t="7847" b="7847"/>
+          <a:stretch>
+            <a:fillRect/>
+          </a:stretch>
+        </p:blipFill>
+        <p:spPr bwMode="auto">
+          <a:prstGeom prst="rect">
+            <a:avLst/>
+          </a:prstGeom>
+          <a:noFill/>
+          <a:extLst>
+            <a:ext uri="{909E8E84-426E-40DD-AFC4-6F175D3DCCD1}">
+              <a14:hiddenFill xmlns:a14="http://schemas.microsoft.com/office/drawing/2010/main">
+                <a:solidFill>
+                  <a:srgbClr val="FFFFFF"/>
+                </a:solidFill>
+              </a14:hiddenFill>
+            </a:ext>
+          </a:extLst>
+        </p:spPr>
+      </p:pic>
+    </p:spTree>
+    <p:extLst>
+      <p:ext uri="{BB962C8B-B14F-4D97-AF65-F5344CB8AC3E}">
+        <p14:creationId xmlns:p14="http://schemas.microsoft.com/office/powerpoint/2010/main" val="2896358553"/>
+      </p:ext>
+    </p:extLst>
+  </p:cSld>
+  <p:clrMapOvr>
+    <a:masterClrMapping/>
+  </p:clrMapOvr>
+</p:sld>
+</file>
+
+<file path=ppt/slides/slide12.xml><?xml version="1.0" encoding="utf-8"?>
+<p:sld xmlns:a="http://schemas.openxmlformats.org/drawingml/2006/main" xmlns:r="http://schemas.openxmlformats.org/officeDocument/2006/relationships" xmlns:p="http://schemas.openxmlformats.org/presentationml/2006/main">
+  <p:cSld>
+    <p:spTree>
+      <p:nvGrpSpPr>
+        <p:cNvPr id="1" name=""/>
+        <p:cNvGrpSpPr/>
+        <p:nvPr/>
+      </p:nvGrpSpPr>
+      <p:grpSpPr>
+        <a:xfrm>
+          <a:off x="0" y="0"/>
+          <a:ext cx="0" cy="0"/>
+          <a:chOff x="0" y="0"/>
+          <a:chExt cx="0" cy="0"/>
+        </a:xfrm>
+      </p:grpSpPr>
       <p:pic>
         <p:nvPicPr>
           <p:cNvPr id="26" name="Picture Placeholder 25" descr="A doctor talking to a patient">
@@ -15873,7 +16238,7 @@
             <a:fld id="{BF860B6F-2FE3-4DE6-9496-980E987E7466}" type="slidenum">
               <a:rPr lang="en-US" smtClean="0"/>
               <a:pPr/>
-              <a:t>11</a:t>
+              <a:t>12</a:t>
             </a:fld>
             <a:endParaRPr lang="en-US" dirty="0"/>
           </a:p>
@@ -15892,7 +16257,7 @@
 </p:sld>
 </file>
 
-<file path=ppt/slides/slide12.xml><?xml version="1.0" encoding="utf-8"?>
+<file path=ppt/slides/slide13.xml><?xml version="1.0" encoding="utf-8"?>
 <p:sld xmlns:a="http://schemas.openxmlformats.org/drawingml/2006/main" xmlns:r="http://schemas.openxmlformats.org/officeDocument/2006/relationships" xmlns:p="http://schemas.openxmlformats.org/presentationml/2006/main">
   <p:cSld>
     <p:bg>
@@ -16185,7 +16550,7 @@
                 </a:spcAft>
                 <a:defRPr/>
               </a:pPr>
-              <a:t>12</a:t>
+              <a:t>13</a:t>
             </a:fld>
             <a:endParaRPr lang="en-US" sz="1200" cap="none" spc="0">
               <a:solidFill>
@@ -17799,6 +18164,126 @@
           </a:p>
         </p:txBody>
       </p:sp>
+      <p:pic>
+        <p:nvPicPr>
+          <p:cNvPr id="8" name="Imagen 7">
+            <a:extLst>
+              <a:ext uri="{FF2B5EF4-FFF2-40B4-BE49-F238E27FC236}">
+                <a16:creationId xmlns:a16="http://schemas.microsoft.com/office/drawing/2014/main" id="{02CEA5ED-2BFC-4437-A297-C323C14B738B}"/>
+              </a:ext>
+            </a:extLst>
+          </p:cNvPr>
+          <p:cNvPicPr>
+            <a:picLocks noChangeAspect="1"/>
+          </p:cNvPicPr>
+          <p:nvPr/>
+        </p:nvPicPr>
+        <p:blipFill>
+          <a:blip r:embed="rId2"/>
+          <a:stretch>
+            <a:fillRect/>
+          </a:stretch>
+        </p:blipFill>
+        <p:spPr>
+          <a:xfrm>
+            <a:off x="359047" y="139754"/>
+            <a:ext cx="10436772" cy="6375999"/>
+          </a:xfrm>
+          <a:prstGeom prst="rect">
+            <a:avLst/>
+          </a:prstGeom>
+        </p:spPr>
+      </p:pic>
+    </p:spTree>
+    <p:extLst>
+      <p:ext uri="{BB962C8B-B14F-4D97-AF65-F5344CB8AC3E}">
+        <p14:creationId xmlns:p14="http://schemas.microsoft.com/office/powerpoint/2010/main" val="3765991553"/>
+      </p:ext>
+    </p:extLst>
+  </p:cSld>
+  <p:clrMapOvr>
+    <a:masterClrMapping/>
+  </p:clrMapOvr>
+</p:sld>
+</file>
+
+<file path=ppt/slides/slide7.xml><?xml version="1.0" encoding="utf-8"?>
+<p:sld xmlns:a="http://schemas.openxmlformats.org/drawingml/2006/main" xmlns:r="http://schemas.openxmlformats.org/officeDocument/2006/relationships" xmlns:p="http://schemas.openxmlformats.org/presentationml/2006/main">
+  <p:cSld>
+    <p:spTree>
+      <p:nvGrpSpPr>
+        <p:cNvPr id="1" name=""/>
+        <p:cNvGrpSpPr/>
+        <p:nvPr/>
+      </p:nvGrpSpPr>
+      <p:grpSpPr>
+        <a:xfrm>
+          <a:off x="0" y="0"/>
+          <a:ext cx="0" cy="0"/>
+          <a:chOff x="0" y="0"/>
+          <a:chExt cx="0" cy="0"/>
+        </a:xfrm>
+      </p:grpSpPr>
+      <p:sp>
+        <p:nvSpPr>
+          <p:cNvPr id="3" name="Marcador de número de diapositiva 2">
+            <a:extLst>
+              <a:ext uri="{FF2B5EF4-FFF2-40B4-BE49-F238E27FC236}">
+                <a16:creationId xmlns:a16="http://schemas.microsoft.com/office/drawing/2014/main" id="{55DCFFD2-65B7-D509-B1DF-A4EF2B137B8C}"/>
+              </a:ext>
+            </a:extLst>
+          </p:cNvPr>
+          <p:cNvSpPr>
+            <a:spLocks noGrp="1"/>
+          </p:cNvSpPr>
+          <p:nvPr>
+            <p:ph type="sldNum" sz="quarter" idx="12"/>
+          </p:nvPr>
+        </p:nvSpPr>
+        <p:spPr/>
+        <p:txBody>
+          <a:bodyPr/>
+          <a:lstStyle/>
+          <a:p>
+            <a:fld id="{BF860B6F-2FE3-4DE6-9496-980E987E7466}" type="slidenum">
+              <a:rPr lang="en-US" smtClean="0"/>
+              <a:pPr/>
+              <a:t>7</a:t>
+            </a:fld>
+            <a:endParaRPr lang="en-US" dirty="0"/>
+          </a:p>
+        </p:txBody>
+      </p:sp>
+      <p:pic>
+        <p:nvPicPr>
+          <p:cNvPr id="10" name="Imagen 9">
+            <a:extLst>
+              <a:ext uri="{FF2B5EF4-FFF2-40B4-BE49-F238E27FC236}">
+                <a16:creationId xmlns:a16="http://schemas.microsoft.com/office/drawing/2014/main" id="{1321119C-4F9A-43C8-8FE6-0F5029B9C3A9}"/>
+              </a:ext>
+            </a:extLst>
+          </p:cNvPr>
+          <p:cNvPicPr>
+            <a:picLocks noChangeAspect="1"/>
+          </p:cNvPicPr>
+          <p:nvPr/>
+        </p:nvPicPr>
+        <p:blipFill>
+          <a:blip r:embed="rId2"/>
+          <a:stretch>
+            <a:fillRect/>
+          </a:stretch>
+        </p:blipFill>
+        <p:spPr>
+          <a:xfrm>
+            <a:off x="558067" y="136525"/>
+            <a:ext cx="10190965" cy="6117388"/>
+          </a:xfrm>
+          <a:prstGeom prst="rect">
+            <a:avLst/>
+          </a:prstGeom>
+        </p:spPr>
+      </p:pic>
     </p:spTree>
     <p:extLst>
       <p:ext uri="{BB962C8B-B14F-4D97-AF65-F5344CB8AC3E}">
@@ -17812,7 +18297,7 @@
 </p:sld>
 </file>
 
-<file path=ppt/slides/slide7.xml><?xml version="1.0" encoding="utf-8"?>
+<file path=ppt/slides/slide8.xml><?xml version="1.0" encoding="utf-8"?>
 <p:sld xmlns:a="http://schemas.openxmlformats.org/drawingml/2006/main" xmlns:r="http://schemas.openxmlformats.org/officeDocument/2006/relationships" xmlns:p="http://schemas.openxmlformats.org/presentationml/2006/main">
   <p:cSld>
     <p:bg>
@@ -18021,7 +18506,7 @@
                   <a:spcPts val="600"/>
                 </a:spcAft>
               </a:pPr>
-              <a:t>7</a:t>
+              <a:t>8</a:t>
             </a:fld>
             <a:endParaRPr lang="en-US" sz="1200">
               <a:solidFill>
@@ -18038,280 +18523,6 @@
     <p:extLst>
       <p:ext uri="{BB962C8B-B14F-4D97-AF65-F5344CB8AC3E}">
         <p14:creationId xmlns:p14="http://schemas.microsoft.com/office/powerpoint/2010/main" val="988365015"/>
-      </p:ext>
-    </p:extLst>
-  </p:cSld>
-  <p:clrMapOvr>
-    <a:masterClrMapping/>
-  </p:clrMapOvr>
-</p:sld>
-</file>
-
-<file path=ppt/slides/slide8.xml><?xml version="1.0" encoding="utf-8"?>
-<p:sld xmlns:a="http://schemas.openxmlformats.org/drawingml/2006/main" xmlns:r="http://schemas.openxmlformats.org/officeDocument/2006/relationships" xmlns:p="http://schemas.openxmlformats.org/presentationml/2006/main">
-  <p:cSld>
-    <p:spTree>
-      <p:nvGrpSpPr>
-        <p:cNvPr id="1" name=""/>
-        <p:cNvGrpSpPr/>
-        <p:nvPr/>
-      </p:nvGrpSpPr>
-      <p:grpSpPr>
-        <a:xfrm>
-          <a:off x="0" y="0"/>
-          <a:ext cx="0" cy="0"/>
-          <a:chOff x="0" y="0"/>
-          <a:chExt cx="0" cy="0"/>
-        </a:xfrm>
-      </p:grpSpPr>
-      <p:pic>
-        <p:nvPicPr>
-          <p:cNvPr id="24" name="Picture Placeholder 23">
-            <a:extLst>
-              <a:ext uri="{FF2B5EF4-FFF2-40B4-BE49-F238E27FC236}">
-                <a16:creationId xmlns:a16="http://schemas.microsoft.com/office/drawing/2014/main" id="{DD2F3F3D-99FE-4AB9-BE87-81D580BFC2EA}"/>
-              </a:ext>
-            </a:extLst>
-          </p:cNvPr>
-          <p:cNvPicPr>
-            <a:picLocks noGrp="1" noChangeAspect="1"/>
-          </p:cNvPicPr>
-          <p:nvPr>
-            <p:ph type="pic" sz="quarter" idx="13"/>
-          </p:nvPr>
-        </p:nvPicPr>
-        <p:blipFill rotWithShape="1">
-          <a:blip r:embed="rId2">
-            <a:extLst>
-              <a:ext uri="{837473B0-CC2E-450A-ABE3-18F120FF3D39}">
-                <a1611:picAttrSrcUrl xmlns:a1611="http://schemas.microsoft.com/office/drawing/2016/11/main" r:id="rId3"/>
-              </a:ext>
-            </a:extLst>
-          </a:blip>
-          <a:srcRect/>
-          <a:stretch/>
-        </p:blipFill>
-        <p:spPr>
-          <a:xfrm flipH="1">
-            <a:off x="1" y="1397000"/>
-            <a:ext cx="6096000" cy="4064000"/>
-          </a:xfrm>
-        </p:spPr>
-      </p:pic>
-      <p:sp>
-        <p:nvSpPr>
-          <p:cNvPr id="45" name="Title 44">
-            <a:extLst>
-              <a:ext uri="{FF2B5EF4-FFF2-40B4-BE49-F238E27FC236}">
-                <a16:creationId xmlns:a16="http://schemas.microsoft.com/office/drawing/2014/main" id="{56DDD3FB-981D-46B3-9DF6-1D5D6429B804}"/>
-              </a:ext>
-            </a:extLst>
-          </p:cNvPr>
-          <p:cNvSpPr>
-            <a:spLocks noGrp="1"/>
-          </p:cNvSpPr>
-          <p:nvPr>
-            <p:ph type="title"/>
-          </p:nvPr>
-        </p:nvSpPr>
-        <p:spPr/>
-        <p:txBody>
-          <a:bodyPr/>
-          <a:lstStyle/>
-          <a:p>
-            <a:r>
-              <a:rPr lang="en-US" dirty="0"/>
-              <a:t>Implementation</a:t>
-            </a:r>
-          </a:p>
-        </p:txBody>
-      </p:sp>
-      <p:sp>
-        <p:nvSpPr>
-          <p:cNvPr id="15" name="Text Placeholder 14">
-            <a:extLst>
-              <a:ext uri="{FF2B5EF4-FFF2-40B4-BE49-F238E27FC236}">
-                <a16:creationId xmlns:a16="http://schemas.microsoft.com/office/drawing/2014/main" id="{6D400E89-A3FC-4A30-90D4-896304E917C8}"/>
-              </a:ext>
-            </a:extLst>
-          </p:cNvPr>
-          <p:cNvSpPr>
-            <a:spLocks noGrp="1"/>
-          </p:cNvSpPr>
-          <p:nvPr>
-            <p:ph type="body" sz="quarter" idx="17"/>
-          </p:nvPr>
-        </p:nvSpPr>
-        <p:spPr>
-          <a:xfrm>
-            <a:off x="6259286" y="1697542"/>
-            <a:ext cx="5094514" cy="485556"/>
-          </a:xfrm>
-        </p:spPr>
-        <p:txBody>
-          <a:bodyPr/>
-          <a:lstStyle/>
-          <a:p>
-            <a:r>
-              <a:rPr lang="en-US" dirty="0">
-                <a:solidFill>
-                  <a:srgbClr val="155463"/>
-                </a:solidFill>
-                <a:latin typeface="Seaford Bold"/>
-                <a:ea typeface="Roboto"/>
-                <a:cs typeface="Roboto"/>
-              </a:rPr>
-              <a:t>efficient and scalable</a:t>
-            </a:r>
-            <a:endParaRPr lang="es-ES" dirty="0"/>
-          </a:p>
-        </p:txBody>
-      </p:sp>
-      <p:sp>
-        <p:nvSpPr>
-          <p:cNvPr id="14" name="Text Placeholder 13">
-            <a:extLst>
-              <a:ext uri="{FF2B5EF4-FFF2-40B4-BE49-F238E27FC236}">
-                <a16:creationId xmlns:a16="http://schemas.microsoft.com/office/drawing/2014/main" id="{0321A7BC-BAD6-4CBA-9AD5-2AD73F8A426C}"/>
-              </a:ext>
-            </a:extLst>
-          </p:cNvPr>
-          <p:cNvSpPr>
-            <a:spLocks noGrp="1"/>
-          </p:cNvSpPr>
-          <p:nvPr>
-            <p:ph type="body" sz="quarter" idx="16"/>
-          </p:nvPr>
-        </p:nvSpPr>
-        <p:spPr>
-          <a:xfrm>
-            <a:off x="6259286" y="2183098"/>
-            <a:ext cx="5780314" cy="642075"/>
-          </a:xfrm>
-        </p:spPr>
-        <p:txBody>
-          <a:bodyPr/>
-          <a:lstStyle/>
-          <a:p>
-            <a:r>
-              <a:rPr lang="en-US" dirty="0"/>
-              <a:t>Our platform is designed to handle large volumes of data from multiple sources in real time, which is crucial for early detection of outbreaks and rapid response to public health emergencies.</a:t>
-            </a:r>
-            <a:endParaRPr lang="es-ES" dirty="0"/>
-          </a:p>
-        </p:txBody>
-      </p:sp>
-      <p:sp>
-        <p:nvSpPr>
-          <p:cNvPr id="17" name="Text Placeholder 16">
-            <a:extLst>
-              <a:ext uri="{FF2B5EF4-FFF2-40B4-BE49-F238E27FC236}">
-                <a16:creationId xmlns:a16="http://schemas.microsoft.com/office/drawing/2014/main" id="{711776CC-28DB-4411-A56D-DE696A68354D}"/>
-              </a:ext>
-            </a:extLst>
-          </p:cNvPr>
-          <p:cNvSpPr>
-            <a:spLocks noGrp="1"/>
-          </p:cNvSpPr>
-          <p:nvPr>
-            <p:ph type="body" sz="quarter" idx="19"/>
-          </p:nvPr>
-        </p:nvSpPr>
-        <p:spPr>
-          <a:xfrm>
-            <a:off x="6270172" y="3181924"/>
-            <a:ext cx="5083628" cy="550870"/>
-          </a:xfrm>
-        </p:spPr>
-        <p:txBody>
-          <a:bodyPr>
-            <a:normAutofit/>
-          </a:bodyPr>
-          <a:lstStyle/>
-          <a:p>
-            <a:r>
-              <a:rPr lang="en-US" dirty="0"/>
-              <a:t>Responsible AI</a:t>
-            </a:r>
-            <a:endParaRPr lang="es-ES" dirty="0"/>
-          </a:p>
-        </p:txBody>
-      </p:sp>
-      <p:sp>
-        <p:nvSpPr>
-          <p:cNvPr id="16" name="Text Placeholder 15">
-            <a:extLst>
-              <a:ext uri="{FF2B5EF4-FFF2-40B4-BE49-F238E27FC236}">
-                <a16:creationId xmlns:a16="http://schemas.microsoft.com/office/drawing/2014/main" id="{C13A8B1A-034D-495C-BF80-E42F8306CF2B}"/>
-              </a:ext>
-            </a:extLst>
-          </p:cNvPr>
-          <p:cNvSpPr>
-            <a:spLocks noGrp="1"/>
-          </p:cNvSpPr>
-          <p:nvPr>
-            <p:ph type="body" sz="quarter" idx="18"/>
-          </p:nvPr>
-        </p:nvSpPr>
-        <p:spPr>
-          <a:xfrm>
-            <a:off x="6259286" y="3732794"/>
-            <a:ext cx="5780313" cy="1284332"/>
-          </a:xfrm>
-        </p:spPr>
-        <p:txBody>
-          <a:bodyPr>
-            <a:noAutofit/>
-          </a:bodyPr>
-          <a:lstStyle/>
-          <a:p>
-            <a:r>
-              <a:rPr lang="en-US" sz="1600" dirty="0"/>
-              <a:t>Ensure that the platform is accessible to all users and that information is available in different languages, which you can achieve with Azure Search and OpenAI's multilingual capabilities. As well as that AI processes and algorithms are transparent for users and interested parties. This includes clear documentation on how data is collected, processed and used.</a:t>
-            </a:r>
-            <a:endParaRPr lang="es-ES" sz="1600" dirty="0"/>
-          </a:p>
-        </p:txBody>
-      </p:sp>
-      <p:sp>
-        <p:nvSpPr>
-          <p:cNvPr id="22" name="Slide Number Placeholder 21">
-            <a:extLst>
-              <a:ext uri="{FF2B5EF4-FFF2-40B4-BE49-F238E27FC236}">
-                <a16:creationId xmlns:a16="http://schemas.microsoft.com/office/drawing/2014/main" id="{D83D237B-5C8E-4573-85F9-91EC63F3EA47}"/>
-              </a:ext>
-            </a:extLst>
-          </p:cNvPr>
-          <p:cNvSpPr>
-            <a:spLocks noGrp="1"/>
-          </p:cNvSpPr>
-          <p:nvPr>
-            <p:ph type="sldNum" sz="quarter" idx="12"/>
-          </p:nvPr>
-        </p:nvSpPr>
-        <p:spPr>
-          <a:xfrm>
-            <a:off x="8610600" y="6515753"/>
-            <a:ext cx="2743200" cy="205722"/>
-          </a:xfrm>
-        </p:spPr>
-        <p:txBody>
-          <a:bodyPr/>
-          <a:lstStyle/>
-          <a:p>
-            <a:fld id="{BF860B6F-2FE3-4DE6-9496-980E987E7466}" type="slidenum">
-              <a:rPr lang="en-US" smtClean="0"/>
-              <a:pPr/>
-              <a:t>8</a:t>
-            </a:fld>
-            <a:endParaRPr lang="en-US" dirty="0"/>
-          </a:p>
-        </p:txBody>
-      </p:sp>
-    </p:spTree>
-    <p:extLst>
-      <p:ext uri="{BB962C8B-B14F-4D97-AF65-F5344CB8AC3E}">
-        <p14:creationId xmlns:p14="http://schemas.microsoft.com/office/powerpoint/2010/main" val="1619313981"/>
       </p:ext>
     </p:extLst>
   </p:cSld>
@@ -18338,44 +18549,12 @@
           <a:chExt cx="0" cy="0"/>
         </a:xfrm>
       </p:grpSpPr>
-      <p:sp>
-        <p:nvSpPr>
-          <p:cNvPr id="45" name="Title 44">
-            <a:extLst>
-              <a:ext uri="{FF2B5EF4-FFF2-40B4-BE49-F238E27FC236}">
-                <a16:creationId xmlns:a16="http://schemas.microsoft.com/office/drawing/2014/main" id="{C1422C90-427C-4AD4-97AD-6B9853B23F76}"/>
-              </a:ext>
-            </a:extLst>
-          </p:cNvPr>
-          <p:cNvSpPr>
-            <a:spLocks noGrp="1"/>
-          </p:cNvSpPr>
-          <p:nvPr>
-            <p:ph type="title"/>
-          </p:nvPr>
-        </p:nvSpPr>
-        <p:spPr/>
-        <p:txBody>
-          <a:bodyPr/>
-          <a:lstStyle/>
-          <a:p>
-            <a:r>
-              <a:rPr lang="en-US" dirty="0">
-                <a:ea typeface="+mj-lt"/>
-                <a:cs typeface="+mj-lt"/>
-              </a:rPr>
-              <a:t>Benefits</a:t>
-            </a:r>
-            <a:endParaRPr lang="es-ES" dirty="0"/>
-          </a:p>
-        </p:txBody>
-      </p:sp>
       <p:pic>
         <p:nvPicPr>
-          <p:cNvPr id="17" name="Picture Placeholder 16" descr="Big Data World · Free image on Pixabay">
-            <a:extLst>
-              <a:ext uri="{FF2B5EF4-FFF2-40B4-BE49-F238E27FC236}">
-                <a16:creationId xmlns:a16="http://schemas.microsoft.com/office/drawing/2014/main" id="{CB1FCAEC-7B83-4519-9EF3-BA0E904C316C}"/>
+          <p:cNvPr id="24" name="Picture Placeholder 23">
+            <a:extLst>
+              <a:ext uri="{FF2B5EF4-FFF2-40B4-BE49-F238E27FC236}">
+                <a16:creationId xmlns:a16="http://schemas.microsoft.com/office/drawing/2014/main" id="{DD2F3F3D-99FE-4AB9-BE87-81D580BFC2EA}"/>
               </a:ext>
             </a:extLst>
           </p:cNvPr>
@@ -18387,23 +18566,57 @@
           </p:nvPr>
         </p:nvPicPr>
         <p:blipFill rotWithShape="1">
-          <a:blip r:embed="rId2"/>
+          <a:blip r:embed="rId2">
+            <a:extLst>
+              <a:ext uri="{837473B0-CC2E-450A-ABE3-18F120FF3D39}">
+                <a1611:picAttrSrcUrl xmlns:a1611="http://schemas.microsoft.com/office/drawing/2016/11/main" r:id="rId3"/>
+              </a:ext>
+            </a:extLst>
+          </a:blip>
           <a:srcRect/>
           <a:stretch/>
         </p:blipFill>
         <p:spPr>
           <a:xfrm flipH="1">
-            <a:off x="1271270" y="1106290"/>
-            <a:ext cx="7013748" cy="4918598"/>
+            <a:off x="1" y="1397000"/>
+            <a:ext cx="6096000" cy="4064000"/>
           </a:xfrm>
         </p:spPr>
       </p:pic>
       <p:sp>
         <p:nvSpPr>
-          <p:cNvPr id="24" name="Text Placeholder 23">
-            <a:extLst>
-              <a:ext uri="{FF2B5EF4-FFF2-40B4-BE49-F238E27FC236}">
-                <a16:creationId xmlns:a16="http://schemas.microsoft.com/office/drawing/2014/main" id="{7B521B55-CA93-422E-A413-4F38F20BA182}"/>
+          <p:cNvPr id="45" name="Title 44">
+            <a:extLst>
+              <a:ext uri="{FF2B5EF4-FFF2-40B4-BE49-F238E27FC236}">
+                <a16:creationId xmlns:a16="http://schemas.microsoft.com/office/drawing/2014/main" id="{56DDD3FB-981D-46B3-9DF6-1D5D6429B804}"/>
+              </a:ext>
+            </a:extLst>
+          </p:cNvPr>
+          <p:cNvSpPr>
+            <a:spLocks noGrp="1"/>
+          </p:cNvSpPr>
+          <p:nvPr>
+            <p:ph type="title"/>
+          </p:nvPr>
+        </p:nvSpPr>
+        <p:spPr/>
+        <p:txBody>
+          <a:bodyPr/>
+          <a:lstStyle/>
+          <a:p>
+            <a:r>
+              <a:rPr lang="en-US" dirty="0"/>
+              <a:t>Implementation</a:t>
+            </a:r>
+          </a:p>
+        </p:txBody>
+      </p:sp>
+      <p:sp>
+        <p:nvSpPr>
+          <p:cNvPr id="15" name="Text Placeholder 14">
+            <a:extLst>
+              <a:ext uri="{FF2B5EF4-FFF2-40B4-BE49-F238E27FC236}">
+                <a16:creationId xmlns:a16="http://schemas.microsoft.com/office/drawing/2014/main" id="{6D400E89-A3FC-4A30-90D4-896304E917C8}"/>
               </a:ext>
             </a:extLst>
           </p:cNvPr>
@@ -18416,20 +18629,24 @@
         </p:nvSpPr>
         <p:spPr>
           <a:xfrm>
-            <a:off x="8691419" y="573409"/>
-            <a:ext cx="2937452" cy="426393"/>
-          </a:xfrm>
-        </p:spPr>
-        <p:txBody>
-          <a:bodyPr anchor="t"/>
+            <a:off x="6259286" y="1697542"/>
+            <a:ext cx="5094514" cy="485556"/>
+          </a:xfrm>
+        </p:spPr>
+        <p:txBody>
+          <a:bodyPr/>
           <a:lstStyle/>
           <a:p>
             <a:r>
               <a:rPr lang="en-US" dirty="0">
-                <a:ea typeface="+mj-lt"/>
-                <a:cs typeface="+mj-lt"/>
+                <a:solidFill>
+                  <a:srgbClr val="155463"/>
+                </a:solidFill>
+                <a:latin typeface="Seaford Bold"/>
+                <a:ea typeface="Roboto"/>
+                <a:cs typeface="Roboto"/>
               </a:rPr>
-              <a:t>Interinstitutional Collaboration</a:t>
+              <a:t>efficient and scalable</a:t>
             </a:r>
             <a:endParaRPr lang="es-ES" dirty="0"/>
           </a:p>
@@ -18437,10 +18654,10 @@
       </p:sp>
       <p:sp>
         <p:nvSpPr>
-          <p:cNvPr id="23" name="Text Placeholder 22">
-            <a:extLst>
-              <a:ext uri="{FF2B5EF4-FFF2-40B4-BE49-F238E27FC236}">
-                <a16:creationId xmlns:a16="http://schemas.microsoft.com/office/drawing/2014/main" id="{98221D68-CEED-411C-AC3A-7A72C4371319}"/>
+          <p:cNvPr id="14" name="Text Placeholder 13">
+            <a:extLst>
+              <a:ext uri="{FF2B5EF4-FFF2-40B4-BE49-F238E27FC236}">
+                <a16:creationId xmlns:a16="http://schemas.microsoft.com/office/drawing/2014/main" id="{0321A7BC-BAD6-4CBA-9AD5-2AD73F8A426C}"/>
               </a:ext>
             </a:extLst>
           </p:cNvPr>
@@ -18453,8 +18670,42 @@
         </p:nvSpPr>
         <p:spPr>
           <a:xfrm>
-            <a:off x="8691419" y="1125633"/>
-            <a:ext cx="2937452" cy="1192694"/>
+            <a:off x="6259286" y="2183098"/>
+            <a:ext cx="5780314" cy="642075"/>
+          </a:xfrm>
+        </p:spPr>
+        <p:txBody>
+          <a:bodyPr/>
+          <a:lstStyle/>
+          <a:p>
+            <a:r>
+              <a:rPr lang="en-US" dirty="0"/>
+              <a:t>Our platform is designed to handle large volumes of data from multiple sources in real time, which is crucial for early detection of outbreaks and rapid response to public health emergencies.</a:t>
+            </a:r>
+            <a:endParaRPr lang="es-ES" dirty="0"/>
+          </a:p>
+        </p:txBody>
+      </p:sp>
+      <p:sp>
+        <p:nvSpPr>
+          <p:cNvPr id="17" name="Text Placeholder 16">
+            <a:extLst>
+              <a:ext uri="{FF2B5EF4-FFF2-40B4-BE49-F238E27FC236}">
+                <a16:creationId xmlns:a16="http://schemas.microsoft.com/office/drawing/2014/main" id="{711776CC-28DB-4411-A56D-DE696A68354D}"/>
+              </a:ext>
+            </a:extLst>
+          </p:cNvPr>
+          <p:cNvSpPr>
+            <a:spLocks noGrp="1"/>
+          </p:cNvSpPr>
+          <p:nvPr>
+            <p:ph type="body" sz="quarter" idx="19"/>
+          </p:nvPr>
+        </p:nvSpPr>
+        <p:spPr>
+          <a:xfrm>
+            <a:off x="6270172" y="3181924"/>
+            <a:ext cx="5083628" cy="550870"/>
           </a:xfrm>
         </p:spPr>
         <p:txBody>
@@ -18464,11 +18715,8 @@
           <a:lstStyle/>
           <a:p>
             <a:r>
-              <a:rPr lang="en-US" dirty="0">
-                <a:ea typeface="+mn-lt"/>
-                <a:cs typeface="+mn-lt"/>
-              </a:rPr>
-              <a:t>Facilitation of joint work between different groups.</a:t>
+              <a:rPr lang="en-US" dirty="0"/>
+              <a:t>Responsible AI</a:t>
             </a:r>
             <a:endParaRPr lang="es-ES" dirty="0"/>
           </a:p>
@@ -18476,162 +18724,46 @@
       </p:sp>
       <p:sp>
         <p:nvSpPr>
-          <p:cNvPr id="28" name="Text Placeholder 27">
-            <a:extLst>
-              <a:ext uri="{FF2B5EF4-FFF2-40B4-BE49-F238E27FC236}">
-                <a16:creationId xmlns:a16="http://schemas.microsoft.com/office/drawing/2014/main" id="{721A5EF9-E3DB-4CA4-93F3-39B1B8D5E28A}"/>
-              </a:ext>
-            </a:extLst>
-          </p:cNvPr>
-          <p:cNvSpPr>
-            <a:spLocks noGrp="1"/>
-          </p:cNvSpPr>
-          <p:nvPr>
-            <p:ph type="body" sz="quarter" idx="21"/>
-          </p:nvPr>
-        </p:nvSpPr>
-        <p:spPr>
-          <a:xfrm>
-            <a:off x="8691419" y="2412029"/>
-            <a:ext cx="2937452" cy="426393"/>
-          </a:xfrm>
-        </p:spPr>
-        <p:txBody>
-          <a:bodyPr anchor="t"/>
+          <p:cNvPr id="16" name="Text Placeholder 15">
+            <a:extLst>
+              <a:ext uri="{FF2B5EF4-FFF2-40B4-BE49-F238E27FC236}">
+                <a16:creationId xmlns:a16="http://schemas.microsoft.com/office/drawing/2014/main" id="{C13A8B1A-034D-495C-BF80-E42F8306CF2B}"/>
+              </a:ext>
+            </a:extLst>
+          </p:cNvPr>
+          <p:cNvSpPr>
+            <a:spLocks noGrp="1"/>
+          </p:cNvSpPr>
+          <p:nvPr>
+            <p:ph type="body" sz="quarter" idx="18"/>
+          </p:nvPr>
+        </p:nvSpPr>
+        <p:spPr>
+          <a:xfrm>
+            <a:off x="6259286" y="3732794"/>
+            <a:ext cx="5780313" cy="1284332"/>
+          </a:xfrm>
+        </p:spPr>
+        <p:txBody>
+          <a:bodyPr>
+            <a:noAutofit/>
+          </a:bodyPr>
           <a:lstStyle/>
           <a:p>
             <a:r>
-              <a:rPr lang="en-US" dirty="0">
-                <a:ea typeface="+mj-lt"/>
-                <a:cs typeface="+mj-lt"/>
-              </a:rPr>
-              <a:t>Data-Based Decisions</a:t>
-            </a:r>
-            <a:endParaRPr lang="es-ES" dirty="0"/>
-          </a:p>
-        </p:txBody>
-      </p:sp>
-      <p:sp>
-        <p:nvSpPr>
-          <p:cNvPr id="27" name="Text Placeholder 26">
-            <a:extLst>
-              <a:ext uri="{FF2B5EF4-FFF2-40B4-BE49-F238E27FC236}">
-                <a16:creationId xmlns:a16="http://schemas.microsoft.com/office/drawing/2014/main" id="{C076F9C5-3B11-41F8-AE36-0DAED2322784}"/>
-              </a:ext>
-            </a:extLst>
-          </p:cNvPr>
-          <p:cNvSpPr>
-            <a:spLocks noGrp="1"/>
-          </p:cNvSpPr>
-          <p:nvPr>
-            <p:ph type="body" sz="quarter" idx="20"/>
-          </p:nvPr>
-        </p:nvSpPr>
-        <p:spPr>
-          <a:xfrm>
-            <a:off x="8691419" y="2964253"/>
-            <a:ext cx="2937452" cy="1106662"/>
-          </a:xfrm>
-        </p:spPr>
-        <p:txBody>
-          <a:bodyPr>
-            <a:normAutofit/>
-          </a:bodyPr>
-          <a:lstStyle/>
-          <a:p>
-            <a:r>
-              <a:rPr lang="en-US" dirty="0">
-                <a:ea typeface="+mn-lt"/>
-                <a:cs typeface="+mn-lt"/>
-              </a:rPr>
-              <a:t>Making decisions based on data and scientific evidence.</a:t>
-            </a:r>
-            <a:endParaRPr lang="es-ES" dirty="0"/>
-          </a:p>
-        </p:txBody>
-      </p:sp>
-      <p:sp>
-        <p:nvSpPr>
-          <p:cNvPr id="26" name="Text Placeholder 25">
-            <a:extLst>
-              <a:ext uri="{FF2B5EF4-FFF2-40B4-BE49-F238E27FC236}">
-                <a16:creationId xmlns:a16="http://schemas.microsoft.com/office/drawing/2014/main" id="{A3F19829-ECF0-478F-BED1-112739B393C7}"/>
-              </a:ext>
-            </a:extLst>
-          </p:cNvPr>
-          <p:cNvSpPr>
-            <a:spLocks noGrp="1"/>
-          </p:cNvSpPr>
-          <p:nvPr>
-            <p:ph type="body" sz="quarter" idx="19"/>
-          </p:nvPr>
-        </p:nvSpPr>
-        <p:spPr>
-          <a:xfrm>
-            <a:off x="8691419" y="4337338"/>
-            <a:ext cx="2937452" cy="426393"/>
-          </a:xfrm>
-        </p:spPr>
-        <p:txBody>
-          <a:bodyPr anchor="t"/>
-          <a:lstStyle/>
-          <a:p>
-            <a:r>
-              <a:rPr lang="en-US" dirty="0">
-                <a:ea typeface="+mj-lt"/>
-                <a:cs typeface="+mj-lt"/>
-              </a:rPr>
-              <a:t>Accessibility</a:t>
-            </a:r>
-            <a:endParaRPr lang="es-ES" dirty="0"/>
-          </a:p>
-        </p:txBody>
-      </p:sp>
-      <p:sp>
-        <p:nvSpPr>
-          <p:cNvPr id="25" name="Text Placeholder 24">
-            <a:extLst>
-              <a:ext uri="{FF2B5EF4-FFF2-40B4-BE49-F238E27FC236}">
-                <a16:creationId xmlns:a16="http://schemas.microsoft.com/office/drawing/2014/main" id="{50EBA51D-BA19-453B-856F-01148078D94F}"/>
-              </a:ext>
-            </a:extLst>
-          </p:cNvPr>
-          <p:cNvSpPr>
-            <a:spLocks noGrp="1"/>
-          </p:cNvSpPr>
-          <p:nvPr>
-            <p:ph type="body" sz="quarter" idx="18"/>
-          </p:nvPr>
-        </p:nvSpPr>
-        <p:spPr>
-          <a:xfrm>
-            <a:off x="8691419" y="4716842"/>
-            <a:ext cx="2937452" cy="1106662"/>
-          </a:xfrm>
-        </p:spPr>
-        <p:txBody>
-          <a:bodyPr>
-            <a:normAutofit/>
-          </a:bodyPr>
-          <a:lstStyle/>
-          <a:p>
-            <a:r>
-              <a:rPr lang="en-ZA" dirty="0">
-                <a:ea typeface="+mn-lt"/>
-                <a:cs typeface="+mn-lt"/>
-              </a:rPr>
-              <a:t>Information that is understandable and accessible to everyone involved.</a:t>
-            </a:r>
-            <a:endParaRPr lang="es-ES" dirty="0"/>
-          </a:p>
-        </p:txBody>
-      </p:sp>
-      <p:sp>
-        <p:nvSpPr>
-          <p:cNvPr id="4" name="Slide Number Placeholder 3">
-            <a:extLst>
-              <a:ext uri="{FF2B5EF4-FFF2-40B4-BE49-F238E27FC236}">
-                <a16:creationId xmlns:a16="http://schemas.microsoft.com/office/drawing/2014/main" id="{C9FA8E79-2231-42DD-834F-F399CC7D16DE}"/>
+              <a:rPr lang="en-US" sz="1600" dirty="0"/>
+              <a:t>Ensure that the platform is accessible to all users and that information is available in different languages, which you can achieve with Azure Search and OpenAI's multilingual capabilities. As well as that AI processes and algorithms are transparent for users and interested parties. This includes clear documentation on how data is collected, processed and used.</a:t>
+            </a:r>
+            <a:endParaRPr lang="es-ES" sz="1600" dirty="0"/>
+          </a:p>
+        </p:txBody>
+      </p:sp>
+      <p:sp>
+        <p:nvSpPr>
+          <p:cNvPr id="22" name="Slide Number Placeholder 21">
+            <a:extLst>
+              <a:ext uri="{FF2B5EF4-FFF2-40B4-BE49-F238E27FC236}">
+                <a16:creationId xmlns:a16="http://schemas.microsoft.com/office/drawing/2014/main" id="{D83D237B-5C8E-4573-85F9-91EC63F3EA47}"/>
               </a:ext>
             </a:extLst>
           </p:cNvPr>
@@ -18664,7 +18796,7 @@
     </p:spTree>
     <p:extLst>
       <p:ext uri="{BB962C8B-B14F-4D97-AF65-F5344CB8AC3E}">
-        <p14:creationId xmlns:p14="http://schemas.microsoft.com/office/powerpoint/2010/main" val="2400646804"/>
+        <p14:creationId xmlns:p14="http://schemas.microsoft.com/office/powerpoint/2010/main" val="1619313981"/>
       </p:ext>
     </p:extLst>
   </p:cSld>
@@ -19466,22 +19598,12 @@
 </file>
 
 <file path=customXml/item1.xml><?xml version="1.0" encoding="utf-8"?>
-<p:properties xmlns:p="http://schemas.microsoft.com/office/2006/metadata/properties" xmlns:xsi="http://www.w3.org/2001/XMLSchema-instance" xmlns:pc="http://schemas.microsoft.com/office/infopath/2007/PartnerControls">
-  <documentManagement>
-    <_ip_UnifiedCompliancePolicyUIAction xmlns="http://schemas.microsoft.com/sharepoint/v3" xsi:nil="true"/>
-    <Image xmlns="71af3243-3dd4-4a8d-8c0d-dd76da1f02a5">
-      <Url xsi:nil="true"/>
-      <Description xsi:nil="true"/>
-    </Image>
-    <Status xmlns="71af3243-3dd4-4a8d-8c0d-dd76da1f02a5">Not started</Status>
-    <_ip_UnifiedCompliancePolicyProperties xmlns="http://schemas.microsoft.com/sharepoint/v3" xsi:nil="true"/>
-    <ImageTagsTaxHTField xmlns="71af3243-3dd4-4a8d-8c0d-dd76da1f02a5">
-      <Terms xmlns="http://schemas.microsoft.com/office/infopath/2007/PartnerControls"/>
-    </ImageTagsTaxHTField>
-    <TaxCatchAll xmlns="230e9df3-be65-4c73-a93b-d1236ebd677e"/>
-    <MediaServiceKeyPoints xmlns="71af3243-3dd4-4a8d-8c0d-dd76da1f02a5" xsi:nil="true"/>
-  </documentManagement>
-</p:properties>
+<?mso-contentType ?>
+<FormTemplates xmlns="http://schemas.microsoft.com/sharepoint/v3/contenttype/forms">
+  <Display>DocumentLibraryForm</Display>
+  <Edit>DocumentLibraryForm</Edit>
+  <New>DocumentLibraryForm</New>
+</FormTemplates>
 </file>
 
 <file path=customXml/item2.xml><?xml version="1.0" encoding="utf-8"?>
@@ -19767,22 +19889,28 @@
 </file>
 
 <file path=customXml/item3.xml><?xml version="1.0" encoding="utf-8"?>
-<?mso-contentType ?>
-<FormTemplates xmlns="http://schemas.microsoft.com/sharepoint/v3/contenttype/forms">
-  <Display>DocumentLibraryForm</Display>
-  <Edit>DocumentLibraryForm</Edit>
-  <New>DocumentLibraryForm</New>
-</FormTemplates>
+<p:properties xmlns:p="http://schemas.microsoft.com/office/2006/metadata/properties" xmlns:xsi="http://www.w3.org/2001/XMLSchema-instance" xmlns:pc="http://schemas.microsoft.com/office/infopath/2007/PartnerControls">
+  <documentManagement>
+    <_ip_UnifiedCompliancePolicyUIAction xmlns="http://schemas.microsoft.com/sharepoint/v3" xsi:nil="true"/>
+    <Image xmlns="71af3243-3dd4-4a8d-8c0d-dd76da1f02a5">
+      <Url xsi:nil="true"/>
+      <Description xsi:nil="true"/>
+    </Image>
+    <Status xmlns="71af3243-3dd4-4a8d-8c0d-dd76da1f02a5">Not started</Status>
+    <_ip_UnifiedCompliancePolicyProperties xmlns="http://schemas.microsoft.com/sharepoint/v3" xsi:nil="true"/>
+    <ImageTagsTaxHTField xmlns="71af3243-3dd4-4a8d-8c0d-dd76da1f02a5">
+      <Terms xmlns="http://schemas.microsoft.com/office/infopath/2007/PartnerControls"/>
+    </ImageTagsTaxHTField>
+    <TaxCatchAll xmlns="230e9df3-be65-4c73-a93b-d1236ebd677e"/>
+    <MediaServiceKeyPoints xmlns="71af3243-3dd4-4a8d-8c0d-dd76da1f02a5" xsi:nil="true"/>
+  </documentManagement>
+</p:properties>
 </file>
 
 <file path=customXml/itemProps1.xml><?xml version="1.0" encoding="utf-8"?>
-<ds:datastoreItem xmlns:ds="http://schemas.openxmlformats.org/officeDocument/2006/customXml" ds:itemID="{76608FD8-5125-42C9-8D64-75AA059BF8C2}">
+<ds:datastoreItem xmlns:ds="http://schemas.openxmlformats.org/officeDocument/2006/customXml" ds:itemID="{96D3147F-17C1-4C4C-A1F9-80FC58070169}">
   <ds:schemaRefs>
-    <ds:schemaRef ds:uri="http://schemas.microsoft.com/office/2006/metadata/properties"/>
-    <ds:schemaRef ds:uri="http://schemas.microsoft.com/office/infopath/2007/PartnerControls"/>
-    <ds:schemaRef ds:uri="http://schemas.microsoft.com/sharepoint/v3"/>
-    <ds:schemaRef ds:uri="71af3243-3dd4-4a8d-8c0d-dd76da1f02a5"/>
-    <ds:schemaRef ds:uri="230e9df3-be65-4c73-a93b-d1236ebd677e"/>
+    <ds:schemaRef ds:uri="http://schemas.microsoft.com/sharepoint/v3/contenttype/forms"/>
   </ds:schemaRefs>
 </ds:datastoreItem>
 </file>
@@ -19809,9 +19937,13 @@
 </file>
 
 <file path=customXml/itemProps3.xml><?xml version="1.0" encoding="utf-8"?>
-<ds:datastoreItem xmlns:ds="http://schemas.openxmlformats.org/officeDocument/2006/customXml" ds:itemID="{96D3147F-17C1-4C4C-A1F9-80FC58070169}">
+<ds:datastoreItem xmlns:ds="http://schemas.openxmlformats.org/officeDocument/2006/customXml" ds:itemID="{76608FD8-5125-42C9-8D64-75AA059BF8C2}">
   <ds:schemaRefs>
-    <ds:schemaRef ds:uri="http://schemas.microsoft.com/sharepoint/v3/contenttype/forms"/>
+    <ds:schemaRef ds:uri="http://schemas.microsoft.com/office/2006/metadata/properties"/>
+    <ds:schemaRef ds:uri="http://schemas.microsoft.com/office/infopath/2007/PartnerControls"/>
+    <ds:schemaRef ds:uri="http://schemas.microsoft.com/sharepoint/v3"/>
+    <ds:schemaRef ds:uri="71af3243-3dd4-4a8d-8c0d-dd76da1f02a5"/>
+    <ds:schemaRef ds:uri="230e9df3-be65-4c73-a93b-d1236ebd677e"/>
   </ds:schemaRefs>
 </ds:datastoreItem>
 </file>
